--- a/docs/4_presentation/Smart Shopping Trolley.pptx
+++ b/docs/4_presentation/Smart Shopping Trolley.pptx
@@ -6391,7 +6391,7 @@
             <a:r>
               <a:rPr lang="en-GB" dirty="0">
                 <a:solidFill>
-                  <a:srgbClr val="00B050"/>
+                  <a:srgbClr val="FF0000"/>
                 </a:solidFill>
               </a:rPr>
               <a:t>Requirement ID: </a:t>
@@ -6409,7 +6409,7 @@
             <a:r>
               <a:rPr lang="en-GB" dirty="0" smtClean="0">
                 <a:solidFill>
-                  <a:srgbClr val="00B050"/>
+                  <a:srgbClr val="FF0000"/>
                 </a:solidFill>
               </a:rPr>
               <a:t>Description</a:t>
@@ -6417,7 +6417,7 @@
             <a:r>
               <a:rPr lang="en-GB" dirty="0">
                 <a:solidFill>
-                  <a:srgbClr val="00B050"/>
+                  <a:srgbClr val="FF0000"/>
                 </a:solidFill>
               </a:rPr>
               <a:t>: </a:t>
@@ -6435,7 +6435,7 @@
             <a:r>
               <a:rPr lang="en-GB" dirty="0" smtClean="0">
                 <a:solidFill>
-                  <a:srgbClr val="00B050"/>
+                  <a:srgbClr val="FF0000"/>
                 </a:solidFill>
               </a:rPr>
               <a:t>Rationale</a:t>
@@ -6443,7 +6443,7 @@
             <a:r>
               <a:rPr lang="en-GB" dirty="0">
                 <a:solidFill>
-                  <a:srgbClr val="00B050"/>
+                  <a:srgbClr val="FF0000"/>
                 </a:solidFill>
               </a:rPr>
               <a:t>: </a:t>
@@ -6469,7 +6469,7 @@
             <a:r>
               <a:rPr lang="en-GB" dirty="0" smtClean="0">
                 <a:solidFill>
-                  <a:srgbClr val="00B050"/>
+                  <a:srgbClr val="FF0000"/>
                 </a:solidFill>
               </a:rPr>
               <a:t>Fit-criterion</a:t>
@@ -6477,14 +6477,14 @@
             <a:r>
               <a:rPr lang="en-GB" dirty="0">
                 <a:solidFill>
-                  <a:srgbClr val="00B050"/>
+                  <a:srgbClr val="FF0000"/>
                 </a:solidFill>
               </a:rPr>
-              <a:t>:</a:t>
+              <a:t>: </a:t>
             </a:r>
             <a:r>
               <a:rPr lang="en-GB" dirty="0"/>
-              <a:t> Unit test cases which will be launched during testing. Various </a:t>
+              <a:t>Unit test cases which will be launched during testing. Various </a:t>
             </a:r>
             <a:r>
               <a:rPr lang="en-GB" dirty="0" smtClean="0"/>
@@ -6503,7 +6503,7 @@
             <a:r>
               <a:rPr lang="en-GB" dirty="0">
                 <a:solidFill>
-                  <a:srgbClr val="00B050"/>
+                  <a:srgbClr val="FF0000"/>
                 </a:solidFill>
               </a:rPr>
               <a:t>Dependency: </a:t>
@@ -6521,7 +6521,7 @@
             <a:r>
               <a:rPr lang="en-GB" dirty="0" smtClean="0">
                 <a:solidFill>
-                  <a:srgbClr val="00B050"/>
+                  <a:srgbClr val="FF0000"/>
                 </a:solidFill>
               </a:rPr>
               <a:t>Satisfaction </a:t>
@@ -6529,7 +6529,7 @@
             <a:r>
               <a:rPr lang="en-GB" dirty="0">
                 <a:solidFill>
-                  <a:srgbClr val="00B050"/>
+                  <a:srgbClr val="FF0000"/>
                 </a:solidFill>
               </a:rPr>
               <a:t>level: </a:t>
@@ -6547,7 +6547,7 @@
             <a:r>
               <a:rPr lang="en-GB" dirty="0" smtClean="0">
                 <a:solidFill>
-                  <a:srgbClr val="00B050"/>
+                  <a:srgbClr val="FF0000"/>
                 </a:solidFill>
               </a:rPr>
               <a:t>Dissatisfaction </a:t>
@@ -6555,7 +6555,7 @@
             <a:r>
               <a:rPr lang="en-GB" dirty="0">
                 <a:solidFill>
-                  <a:srgbClr val="00B050"/>
+                  <a:srgbClr val="FF0000"/>
                 </a:solidFill>
               </a:rPr>
               <a:t>level: </a:t>
@@ -6573,7 +6573,7 @@
             <a:r>
               <a:rPr lang="en-GB" dirty="0" smtClean="0">
                 <a:solidFill>
-                  <a:srgbClr val="00B050"/>
+                  <a:srgbClr val="FF0000"/>
                 </a:solidFill>
               </a:rPr>
               <a:t>Priority</a:t>
@@ -6581,7 +6581,7 @@
             <a:r>
               <a:rPr lang="en-GB" dirty="0">
                 <a:solidFill>
-                  <a:srgbClr val="00B050"/>
+                  <a:srgbClr val="FF0000"/>
                 </a:solidFill>
               </a:rPr>
               <a:t>: </a:t>
@@ -6844,13 +6844,8 @@
           <a:p>
             <a:r>
               <a:rPr lang="en-US" dirty="0" smtClean="0"/>
-              <a:t>Data received by the client is </a:t>
-            </a:r>
-            <a:r>
-              <a:rPr lang="en-US" dirty="0" smtClean="0"/>
-              <a:t>encoded</a:t>
-            </a:r>
-            <a:endParaRPr lang="en-US" dirty="0" smtClean="0"/>
+              <a:t>Data received by the client is encoded</a:t>
+            </a:r>
           </a:p>
         </p:txBody>
       </p:sp>
